--- a/2023_review1/PPT/ACCIDENT RECORD MANAGEMENT SYSTEM.pptx
+++ b/2023_review1/PPT/ACCIDENT RECORD MANAGEMENT SYSTEM.pptx
@@ -1,21 +1,31 @@
 
 <file path=ppt/presentation.xml><?xml version="1.0" encoding="utf-8"?>
-<p:presentation xmlns:a="http://schemas.openxmlformats.org/drawingml/2006/main" xmlns:r="http://schemas.openxmlformats.org/officeDocument/2006/relationships" xmlns:p="http://schemas.openxmlformats.org/presentationml/2006/main" saveSubsetFonts="1">
+<p:presentation xmlns:a="http://schemas.openxmlformats.org/drawingml/2006/main" xmlns:r="http://schemas.openxmlformats.org/officeDocument/2006/relationships" xmlns:p="http://schemas.openxmlformats.org/presentationml/2006/main">
   <p:sldMasterIdLst>
-    <p:sldMasterId id="2147483725" r:id="rId1"/>
+    <p:sldMasterId id="2147483648" r:id="rId1"/>
   </p:sldMasterIdLst>
   <p:sldIdLst>
-    <p:sldId id="256" r:id="rId2"/>
-    <p:sldId id="257" r:id="rId3"/>
-    <p:sldId id="258" r:id="rId4"/>
-    <p:sldId id="259" r:id="rId5"/>
-    <p:sldId id="260" r:id="rId6"/>
-    <p:sldId id="261" r:id="rId7"/>
-    <p:sldId id="262" r:id="rId8"/>
-    <p:sldId id="263" r:id="rId9"/>
-    <p:sldId id="264" r:id="rId10"/>
-    <p:sldId id="265" r:id="rId11"/>
-    <p:sldId id="266" r:id="rId12"/>
+    <p:sldId id="256" r:id="rId3"/>
+    <p:sldId id="257" r:id="rId4"/>
+    <p:sldId id="258" r:id="rId5"/>
+    <p:sldId id="259" r:id="rId6"/>
+    <p:sldId id="260" r:id="rId7"/>
+    <p:sldId id="261" r:id="rId8"/>
+    <p:sldId id="262" r:id="rId9"/>
+    <p:sldId id="263" r:id="rId10"/>
+    <p:sldId id="264" r:id="rId11"/>
+    <p:sldId id="265" r:id="rId12"/>
+    <p:sldId id="267" r:id="rId13"/>
+    <p:sldId id="268" r:id="rId14"/>
+    <p:sldId id="269" r:id="rId15"/>
+    <p:sldId id="270" r:id="rId16"/>
+    <p:sldId id="271" r:id="rId17"/>
+    <p:sldId id="272" r:id="rId18"/>
+    <p:sldId id="273" r:id="rId19"/>
+    <p:sldId id="274" r:id="rId20"/>
+    <p:sldId id="275" r:id="rId21"/>
+    <p:sldId id="276" r:id="rId22"/>
+    <p:sldId id="266" r:id="rId23"/>
   </p:sldIdLst>
   <p:sldSz cx="12192000" cy="6858000"/>
   <p:notesSz cx="6858000" cy="9144000"/>
@@ -114,16 +124,11 @@
       </a:defRPr>
     </a:lvl9pPr>
   </p:defaultTextStyle>
-  <p:extLst>
-    <p:ext uri="{EFAFB233-063F-42B5-8137-9DF3F51BA10A}">
-      <p15:sldGuideLst xmlns:p15="http://schemas.microsoft.com/office/powerpoint/2012/main"/>
-    </p:ext>
-  </p:extLst>
 </p:presentation>
 </file>
 
 <file path=ppt/slideLayouts/slideLayout1.xml><?xml version="1.0" encoding="utf-8"?>
-<p:sldLayout xmlns:a="http://schemas.openxmlformats.org/drawingml/2006/main" xmlns:r="http://schemas.openxmlformats.org/officeDocument/2006/relationships" xmlns:p="http://schemas.openxmlformats.org/presentationml/2006/main" showMasterSp="0" type="title" preserve="1">
+<p:sldLayout xmlns:a="http://schemas.openxmlformats.org/drawingml/2006/main" xmlns:r="http://schemas.openxmlformats.org/officeDocument/2006/relationships" xmlns:p="http://schemas.openxmlformats.org/presentationml/2006/main" type="title" preserve="1" showMasterSp="0">
   <p:cSld name="Title Slide">
     <p:spTree>
       <p:nvGrpSpPr>
@@ -348,7 +353,6 @@
           <a:p>
             <a:fld id="{1C6E12D2-DA3A-480B-BCDF-BFB6C7EBE402}" type="datetimeFigureOut">
               <a:rPr lang="en-US" smtClean="0"/>
-              <a:t>2/4/2023</a:t>
             </a:fld>
             <a:endParaRPr lang="en-US"/>
           </a:p>
@@ -390,7 +394,6 @@
           <a:p>
             <a:fld id="{F1BBC3DF-4D3E-4D62-AC24-223E50BCC8DF}" type="slidenum">
               <a:rPr lang="en-US" smtClean="0"/>
-              <a:t>‹#›</a:t>
             </a:fld>
             <a:endParaRPr lang="en-US"/>
           </a:p>
@@ -435,11 +438,6 @@
         </p:style>
       </p:cxnSp>
     </p:spTree>
-    <p:extLst>
-      <p:ext uri="{BB962C8B-B14F-4D97-AF65-F5344CB8AC3E}">
-        <p14:creationId xmlns:p14="http://schemas.microsoft.com/office/powerpoint/2010/main" val="3241847965"/>
-      </p:ext>
-    </p:extLst>
   </p:cSld>
   <p:clrMapOvr>
     <a:masterClrMapping/>
@@ -507,6 +505,7 @@
               <a:rPr lang="en-US"/>
               <a:t>Click to edit Master text styles</a:t>
             </a:r>
+            <a:endParaRPr lang="en-US"/>
           </a:p>
           <a:p>
             <a:pPr lvl="1"/>
@@ -514,6 +513,7 @@
               <a:rPr lang="en-US"/>
               <a:t>Second level</a:t>
             </a:r>
+            <a:endParaRPr lang="en-US"/>
           </a:p>
           <a:p>
             <a:pPr lvl="2"/>
@@ -521,6 +521,7 @@
               <a:rPr lang="en-US"/>
               <a:t>Third level</a:t>
             </a:r>
+            <a:endParaRPr lang="en-US"/>
           </a:p>
           <a:p>
             <a:pPr lvl="3"/>
@@ -528,6 +529,7 @@
               <a:rPr lang="en-US"/>
               <a:t>Fourth level</a:t>
             </a:r>
+            <a:endParaRPr lang="en-US"/>
           </a:p>
           <a:p>
             <a:pPr lvl="4"/>
@@ -556,7 +558,6 @@
           <a:p>
             <a:fld id="{1C6E12D2-DA3A-480B-BCDF-BFB6C7EBE402}" type="datetimeFigureOut">
               <a:rPr lang="en-US" smtClean="0"/>
-              <a:t>2/4/2023</a:t>
             </a:fld>
             <a:endParaRPr lang="en-US"/>
           </a:p>
@@ -598,18 +599,12 @@
           <a:p>
             <a:fld id="{F1BBC3DF-4D3E-4D62-AC24-223E50BCC8DF}" type="slidenum">
               <a:rPr lang="en-US" smtClean="0"/>
-              <a:t>‹#›</a:t>
             </a:fld>
             <a:endParaRPr lang="en-US"/>
           </a:p>
         </p:txBody>
       </p:sp>
     </p:spTree>
-    <p:extLst>
-      <p:ext uri="{BB962C8B-B14F-4D97-AF65-F5344CB8AC3E}">
-        <p14:creationId xmlns:p14="http://schemas.microsoft.com/office/powerpoint/2010/main" val="2402926582"/>
-      </p:ext>
-    </p:extLst>
   </p:cSld>
   <p:clrMapOvr>
     <a:masterClrMapping/>
@@ -618,7 +613,7 @@
 </file>
 
 <file path=ppt/slideLayouts/slideLayout11.xml><?xml version="1.0" encoding="utf-8"?>
-<p:sldLayout xmlns:a="http://schemas.openxmlformats.org/drawingml/2006/main" xmlns:r="http://schemas.openxmlformats.org/officeDocument/2006/relationships" xmlns:p="http://schemas.openxmlformats.org/presentationml/2006/main" showMasterSp="0" type="vertTitleAndTx" preserve="1">
+<p:sldLayout xmlns:a="http://schemas.openxmlformats.org/drawingml/2006/main" xmlns:r="http://schemas.openxmlformats.org/officeDocument/2006/relationships" xmlns:p="http://schemas.openxmlformats.org/presentationml/2006/main" type="vertTitleAndTx" preserve="1" showMasterSp="0">
   <p:cSld name="Vertical Title and Text">
     <p:spTree>
       <p:nvGrpSpPr>
@@ -763,6 +758,7 @@
               <a:rPr lang="en-US"/>
               <a:t>Click to edit Master text styles</a:t>
             </a:r>
+            <a:endParaRPr lang="en-US"/>
           </a:p>
           <a:p>
             <a:pPr lvl="1"/>
@@ -770,6 +766,7 @@
               <a:rPr lang="en-US"/>
               <a:t>Second level</a:t>
             </a:r>
+            <a:endParaRPr lang="en-US"/>
           </a:p>
           <a:p>
             <a:pPr lvl="2"/>
@@ -777,6 +774,7 @@
               <a:rPr lang="en-US"/>
               <a:t>Third level</a:t>
             </a:r>
+            <a:endParaRPr lang="en-US"/>
           </a:p>
           <a:p>
             <a:pPr lvl="3"/>
@@ -784,6 +782,7 @@
               <a:rPr lang="en-US"/>
               <a:t>Fourth level</a:t>
             </a:r>
+            <a:endParaRPr lang="en-US"/>
           </a:p>
           <a:p>
             <a:pPr lvl="4"/>
@@ -812,7 +811,6 @@
           <a:p>
             <a:fld id="{1C6E12D2-DA3A-480B-BCDF-BFB6C7EBE402}" type="datetimeFigureOut">
               <a:rPr lang="en-US" smtClean="0"/>
-              <a:t>2/4/2023</a:t>
             </a:fld>
             <a:endParaRPr lang="en-US"/>
           </a:p>
@@ -854,18 +852,12 @@
           <a:p>
             <a:fld id="{F1BBC3DF-4D3E-4D62-AC24-223E50BCC8DF}" type="slidenum">
               <a:rPr lang="en-US" smtClean="0"/>
-              <a:t>‹#›</a:t>
             </a:fld>
             <a:endParaRPr lang="en-US"/>
           </a:p>
         </p:txBody>
       </p:sp>
     </p:spTree>
-    <p:extLst>
-      <p:ext uri="{BB962C8B-B14F-4D97-AF65-F5344CB8AC3E}">
-        <p14:creationId xmlns:p14="http://schemas.microsoft.com/office/powerpoint/2010/main" val="2902623635"/>
-      </p:ext>
-    </p:extLst>
   </p:cSld>
   <p:clrMapOvr>
     <a:masterClrMapping/>
@@ -937,6 +929,7 @@
               <a:rPr lang="en-US"/>
               <a:t>Click to edit Master text styles</a:t>
             </a:r>
+            <a:endParaRPr lang="en-US"/>
           </a:p>
           <a:p>
             <a:pPr lvl="1"/>
@@ -944,6 +937,7 @@
               <a:rPr lang="en-US"/>
               <a:t>Second level</a:t>
             </a:r>
+            <a:endParaRPr lang="en-US"/>
           </a:p>
           <a:p>
             <a:pPr lvl="2"/>
@@ -951,6 +945,7 @@
               <a:rPr lang="en-US"/>
               <a:t>Third level</a:t>
             </a:r>
+            <a:endParaRPr lang="en-US"/>
           </a:p>
           <a:p>
             <a:pPr lvl="3"/>
@@ -958,6 +953,7 @@
               <a:rPr lang="en-US"/>
               <a:t>Fourth level</a:t>
             </a:r>
+            <a:endParaRPr lang="en-US"/>
           </a:p>
           <a:p>
             <a:pPr lvl="4"/>
@@ -986,7 +982,6 @@
           <a:p>
             <a:fld id="{1C6E12D2-DA3A-480B-BCDF-BFB6C7EBE402}" type="datetimeFigureOut">
               <a:rPr lang="en-US" smtClean="0"/>
-              <a:t>2/4/2023</a:t>
             </a:fld>
             <a:endParaRPr lang="en-US"/>
           </a:p>
@@ -1028,18 +1023,12 @@
           <a:p>
             <a:fld id="{F1BBC3DF-4D3E-4D62-AC24-223E50BCC8DF}" type="slidenum">
               <a:rPr lang="en-US" smtClean="0"/>
-              <a:t>‹#›</a:t>
             </a:fld>
             <a:endParaRPr lang="en-US"/>
           </a:p>
         </p:txBody>
       </p:sp>
     </p:spTree>
-    <p:extLst>
-      <p:ext uri="{BB962C8B-B14F-4D97-AF65-F5344CB8AC3E}">
-        <p14:creationId xmlns:p14="http://schemas.microsoft.com/office/powerpoint/2010/main" val="2660483374"/>
-      </p:ext>
-    </p:extLst>
   </p:cSld>
   <p:clrMapOvr>
     <a:masterClrMapping/>
@@ -1048,7 +1037,7 @@
 </file>
 
 <file path=ppt/slideLayouts/slideLayout3.xml><?xml version="1.0" encoding="utf-8"?>
-<p:sldLayout xmlns:a="http://schemas.openxmlformats.org/drawingml/2006/main" xmlns:r="http://schemas.openxmlformats.org/officeDocument/2006/relationships" xmlns:p="http://schemas.openxmlformats.org/presentationml/2006/main" showMasterSp="0" type="secHead" preserve="1">
+<p:sldLayout xmlns:a="http://schemas.openxmlformats.org/drawingml/2006/main" xmlns:r="http://schemas.openxmlformats.org/officeDocument/2006/relationships" xmlns:p="http://schemas.openxmlformats.org/presentationml/2006/main" type="secHead" preserve="1" showMasterSp="0">
   <p:cSld name="Section Header">
     <p:bg>
       <p:bgPr>
@@ -1309,6 +1298,7 @@
               <a:rPr lang="en-US"/>
               <a:t>Click to edit Master text styles</a:t>
             </a:r>
+            <a:endParaRPr lang="en-US"/>
           </a:p>
         </p:txBody>
       </p:sp>
@@ -1329,7 +1319,6 @@
           <a:p>
             <a:fld id="{1C6E12D2-DA3A-480B-BCDF-BFB6C7EBE402}" type="datetimeFigureOut">
               <a:rPr lang="en-US" smtClean="0"/>
-              <a:t>2/4/2023</a:t>
             </a:fld>
             <a:endParaRPr lang="en-US"/>
           </a:p>
@@ -1371,7 +1360,6 @@
           <a:p>
             <a:fld id="{F1BBC3DF-4D3E-4D62-AC24-223E50BCC8DF}" type="slidenum">
               <a:rPr lang="en-US" smtClean="0"/>
-              <a:t>‹#›</a:t>
             </a:fld>
             <a:endParaRPr lang="en-US"/>
           </a:p>
@@ -1416,11 +1404,6 @@
         </p:style>
       </p:cxnSp>
     </p:spTree>
-    <p:extLst>
-      <p:ext uri="{BB962C8B-B14F-4D97-AF65-F5344CB8AC3E}">
-        <p14:creationId xmlns:p14="http://schemas.microsoft.com/office/powerpoint/2010/main" val="1884907757"/>
-      </p:ext>
-    </p:extLst>
   </p:cSld>
   <p:clrMapOvr>
     <a:masterClrMapping/>
@@ -1498,6 +1481,7 @@
               <a:rPr lang="en-US"/>
               <a:t>Click to edit Master text styles</a:t>
             </a:r>
+            <a:endParaRPr lang="en-US"/>
           </a:p>
           <a:p>
             <a:pPr lvl="1"/>
@@ -1505,6 +1489,7 @@
               <a:rPr lang="en-US"/>
               <a:t>Second level</a:t>
             </a:r>
+            <a:endParaRPr lang="en-US"/>
           </a:p>
           <a:p>
             <a:pPr lvl="2"/>
@@ -1512,6 +1497,7 @@
               <a:rPr lang="en-US"/>
               <a:t>Third level</a:t>
             </a:r>
+            <a:endParaRPr lang="en-US"/>
           </a:p>
           <a:p>
             <a:pPr lvl="3"/>
@@ -1519,6 +1505,7 @@
               <a:rPr lang="en-US"/>
               <a:t>Fourth level</a:t>
             </a:r>
+            <a:endParaRPr lang="en-US"/>
           </a:p>
           <a:p>
             <a:pPr lvl="4"/>
@@ -1555,6 +1542,7 @@
               <a:rPr lang="en-US"/>
               <a:t>Click to edit Master text styles</a:t>
             </a:r>
+            <a:endParaRPr lang="en-US"/>
           </a:p>
           <a:p>
             <a:pPr lvl="1"/>
@@ -1562,6 +1550,7 @@
               <a:rPr lang="en-US"/>
               <a:t>Second level</a:t>
             </a:r>
+            <a:endParaRPr lang="en-US"/>
           </a:p>
           <a:p>
             <a:pPr lvl="2"/>
@@ -1569,6 +1558,7 @@
               <a:rPr lang="en-US"/>
               <a:t>Third level</a:t>
             </a:r>
+            <a:endParaRPr lang="en-US"/>
           </a:p>
           <a:p>
             <a:pPr lvl="3"/>
@@ -1576,6 +1566,7 @@
               <a:rPr lang="en-US"/>
               <a:t>Fourth level</a:t>
             </a:r>
+            <a:endParaRPr lang="en-US"/>
           </a:p>
           <a:p>
             <a:pPr lvl="4"/>
@@ -1604,7 +1595,6 @@
           <a:p>
             <a:fld id="{1C6E12D2-DA3A-480B-BCDF-BFB6C7EBE402}" type="datetimeFigureOut">
               <a:rPr lang="en-US" smtClean="0"/>
-              <a:t>2/4/2023</a:t>
             </a:fld>
             <a:endParaRPr lang="en-US"/>
           </a:p>
@@ -1646,18 +1636,12 @@
           <a:p>
             <a:fld id="{F1BBC3DF-4D3E-4D62-AC24-223E50BCC8DF}" type="slidenum">
               <a:rPr lang="en-US" smtClean="0"/>
-              <a:t>‹#›</a:t>
             </a:fld>
             <a:endParaRPr lang="en-US"/>
           </a:p>
         </p:txBody>
       </p:sp>
     </p:spTree>
-    <p:extLst>
-      <p:ext uri="{BB962C8B-B14F-4D97-AF65-F5344CB8AC3E}">
-        <p14:creationId xmlns:p14="http://schemas.microsoft.com/office/powerpoint/2010/main" val="1964284277"/>
-      </p:ext>
-    </p:extLst>
   </p:cSld>
   <p:clrMapOvr>
     <a:masterClrMapping/>
@@ -1778,6 +1762,7 @@
               <a:rPr lang="en-US"/>
               <a:t>Click to edit Master text styles</a:t>
             </a:r>
+            <a:endParaRPr lang="en-US"/>
           </a:p>
         </p:txBody>
       </p:sp>
@@ -1806,6 +1791,7 @@
               <a:rPr lang="en-US"/>
               <a:t>Click to edit Master text styles</a:t>
             </a:r>
+            <a:endParaRPr lang="en-US"/>
           </a:p>
           <a:p>
             <a:pPr lvl="1"/>
@@ -1813,6 +1799,7 @@
               <a:rPr lang="en-US"/>
               <a:t>Second level</a:t>
             </a:r>
+            <a:endParaRPr lang="en-US"/>
           </a:p>
           <a:p>
             <a:pPr lvl="2"/>
@@ -1820,6 +1807,7 @@
               <a:rPr lang="en-US"/>
               <a:t>Third level</a:t>
             </a:r>
+            <a:endParaRPr lang="en-US"/>
           </a:p>
           <a:p>
             <a:pPr lvl="3"/>
@@ -1827,6 +1815,7 @@
               <a:rPr lang="en-US"/>
               <a:t>Fourth level</a:t>
             </a:r>
+            <a:endParaRPr lang="en-US"/>
           </a:p>
           <a:p>
             <a:pPr lvl="4"/>
@@ -1906,6 +1895,7 @@
               <a:rPr lang="en-US"/>
               <a:t>Click to edit Master text styles</a:t>
             </a:r>
+            <a:endParaRPr lang="en-US"/>
           </a:p>
         </p:txBody>
       </p:sp>
@@ -1934,6 +1924,7 @@
               <a:rPr lang="en-US"/>
               <a:t>Click to edit Master text styles</a:t>
             </a:r>
+            <a:endParaRPr lang="en-US"/>
           </a:p>
           <a:p>
             <a:pPr lvl="1"/>
@@ -1941,6 +1932,7 @@
               <a:rPr lang="en-US"/>
               <a:t>Second level</a:t>
             </a:r>
+            <a:endParaRPr lang="en-US"/>
           </a:p>
           <a:p>
             <a:pPr lvl="2"/>
@@ -1948,6 +1940,7 @@
               <a:rPr lang="en-US"/>
               <a:t>Third level</a:t>
             </a:r>
+            <a:endParaRPr lang="en-US"/>
           </a:p>
           <a:p>
             <a:pPr lvl="3"/>
@@ -1955,6 +1948,7 @@
               <a:rPr lang="en-US"/>
               <a:t>Fourth level</a:t>
             </a:r>
+            <a:endParaRPr lang="en-US"/>
           </a:p>
           <a:p>
             <a:pPr lvl="4"/>
@@ -1983,7 +1977,6 @@
           <a:p>
             <a:fld id="{1C6E12D2-DA3A-480B-BCDF-BFB6C7EBE402}" type="datetimeFigureOut">
               <a:rPr lang="en-US" smtClean="0"/>
-              <a:t>2/4/2023</a:t>
             </a:fld>
             <a:endParaRPr lang="en-US"/>
           </a:p>
@@ -2025,18 +2018,12 @@
           <a:p>
             <a:fld id="{F1BBC3DF-4D3E-4D62-AC24-223E50BCC8DF}" type="slidenum">
               <a:rPr lang="en-US" smtClean="0"/>
-              <a:t>‹#›</a:t>
             </a:fld>
             <a:endParaRPr lang="en-US"/>
           </a:p>
         </p:txBody>
       </p:sp>
     </p:spTree>
-    <p:extLst>
-      <p:ext uri="{BB962C8B-B14F-4D97-AF65-F5344CB8AC3E}">
-        <p14:creationId xmlns:p14="http://schemas.microsoft.com/office/powerpoint/2010/main" val="3075375809"/>
-      </p:ext>
-    </p:extLst>
   </p:cSld>
   <p:clrMapOvr>
     <a:masterClrMapping/>
@@ -2101,7 +2088,6 @@
           <a:p>
             <a:fld id="{1C6E12D2-DA3A-480B-BCDF-BFB6C7EBE402}" type="datetimeFigureOut">
               <a:rPr lang="en-US" smtClean="0"/>
-              <a:t>2/4/2023</a:t>
             </a:fld>
             <a:endParaRPr lang="en-US"/>
           </a:p>
@@ -2143,18 +2129,12 @@
           <a:p>
             <a:fld id="{F1BBC3DF-4D3E-4D62-AC24-223E50BCC8DF}" type="slidenum">
               <a:rPr lang="en-US" smtClean="0"/>
-              <a:t>‹#›</a:t>
             </a:fld>
             <a:endParaRPr lang="en-US"/>
           </a:p>
         </p:txBody>
       </p:sp>
     </p:spTree>
-    <p:extLst>
-      <p:ext uri="{BB962C8B-B14F-4D97-AF65-F5344CB8AC3E}">
-        <p14:creationId xmlns:p14="http://schemas.microsoft.com/office/powerpoint/2010/main" val="583566868"/>
-      </p:ext>
-    </p:extLst>
   </p:cSld>
   <p:clrMapOvr>
     <a:masterClrMapping/>
@@ -2163,7 +2143,7 @@
 </file>
 
 <file path=ppt/slideLayouts/slideLayout7.xml><?xml version="1.0" encoding="utf-8"?>
-<p:sldLayout xmlns:a="http://schemas.openxmlformats.org/drawingml/2006/main" xmlns:r="http://schemas.openxmlformats.org/officeDocument/2006/relationships" xmlns:p="http://schemas.openxmlformats.org/presentationml/2006/main" showMasterSp="0" type="blank" preserve="1">
+<p:sldLayout xmlns:a="http://schemas.openxmlformats.org/drawingml/2006/main" xmlns:r="http://schemas.openxmlformats.org/officeDocument/2006/relationships" xmlns:p="http://schemas.openxmlformats.org/presentationml/2006/main" type="blank" preserve="1" showMasterSp="0">
   <p:cSld name="Blank">
     <p:spTree>
       <p:nvGrpSpPr>
@@ -2272,7 +2252,6 @@
           <a:p>
             <a:fld id="{1C6E12D2-DA3A-480B-BCDF-BFB6C7EBE402}" type="datetimeFigureOut">
               <a:rPr lang="en-US" smtClean="0"/>
-              <a:t>2/4/2023</a:t>
             </a:fld>
             <a:endParaRPr lang="en-US"/>
           </a:p>
@@ -2322,18 +2301,12 @@
           <a:p>
             <a:fld id="{F1BBC3DF-4D3E-4D62-AC24-223E50BCC8DF}" type="slidenum">
               <a:rPr lang="en-US" smtClean="0"/>
-              <a:t>‹#›</a:t>
             </a:fld>
             <a:endParaRPr lang="en-US"/>
           </a:p>
         </p:txBody>
       </p:sp>
     </p:spTree>
-    <p:extLst>
-      <p:ext uri="{BB962C8B-B14F-4D97-AF65-F5344CB8AC3E}">
-        <p14:creationId xmlns:p14="http://schemas.microsoft.com/office/powerpoint/2010/main" val="3264685867"/>
-      </p:ext>
-    </p:extLst>
   </p:cSld>
   <p:clrMapOvr>
     <a:masterClrMapping/>
@@ -2342,7 +2315,7 @@
 </file>
 
 <file path=ppt/slideLayouts/slideLayout8.xml><?xml version="1.0" encoding="utf-8"?>
-<p:sldLayout xmlns:a="http://schemas.openxmlformats.org/drawingml/2006/main" xmlns:r="http://schemas.openxmlformats.org/officeDocument/2006/relationships" xmlns:p="http://schemas.openxmlformats.org/presentationml/2006/main" showMasterSp="0" type="objTx" preserve="1">
+<p:sldLayout xmlns:a="http://schemas.openxmlformats.org/drawingml/2006/main" xmlns:r="http://schemas.openxmlformats.org/officeDocument/2006/relationships" xmlns:p="http://schemas.openxmlformats.org/presentationml/2006/main" type="objTx" preserve="1" showMasterSp="0">
   <p:cSld name="Content with Caption">
     <p:spTree>
       <p:nvGrpSpPr>
@@ -2497,6 +2470,7 @@
               <a:rPr lang="en-US"/>
               <a:t>Click to edit Master text styles</a:t>
             </a:r>
+            <a:endParaRPr lang="en-US"/>
           </a:p>
           <a:p>
             <a:pPr lvl="1"/>
@@ -2504,6 +2478,7 @@
               <a:rPr lang="en-US"/>
               <a:t>Second level</a:t>
             </a:r>
+            <a:endParaRPr lang="en-US"/>
           </a:p>
           <a:p>
             <a:pPr lvl="2"/>
@@ -2511,6 +2486,7 @@
               <a:rPr lang="en-US"/>
               <a:t>Third level</a:t>
             </a:r>
+            <a:endParaRPr lang="en-US"/>
           </a:p>
           <a:p>
             <a:pPr lvl="3"/>
@@ -2518,6 +2494,7 @@
               <a:rPr lang="en-US"/>
               <a:t>Fourth level</a:t>
             </a:r>
+            <a:endParaRPr lang="en-US"/>
           </a:p>
           <a:p>
             <a:pPr lvl="4"/>
@@ -2597,6 +2574,7 @@
               <a:rPr lang="en-US"/>
               <a:t>Click to edit Master text styles</a:t>
             </a:r>
+            <a:endParaRPr lang="en-US"/>
           </a:p>
         </p:txBody>
       </p:sp>
@@ -2626,7 +2604,6 @@
           <a:p>
             <a:fld id="{1C6E12D2-DA3A-480B-BCDF-BFB6C7EBE402}" type="datetimeFigureOut">
               <a:rPr lang="en-US" smtClean="0"/>
-              <a:t>2/4/2023</a:t>
             </a:fld>
             <a:endParaRPr lang="en-US"/>
           </a:p>
@@ -2689,18 +2666,12 @@
           <a:p>
             <a:fld id="{F1BBC3DF-4D3E-4D62-AC24-223E50BCC8DF}" type="slidenum">
               <a:rPr lang="en-US" smtClean="0"/>
-              <a:t>‹#›</a:t>
             </a:fld>
             <a:endParaRPr lang="en-US"/>
           </a:p>
         </p:txBody>
       </p:sp>
     </p:spTree>
-    <p:extLst>
-      <p:ext uri="{BB962C8B-B14F-4D97-AF65-F5344CB8AC3E}">
-        <p14:creationId xmlns:p14="http://schemas.microsoft.com/office/powerpoint/2010/main" val="97074567"/>
-      </p:ext>
-    </p:extLst>
   </p:cSld>
   <p:clrMapOvr>
     <a:masterClrMapping/>
@@ -2709,7 +2680,7 @@
 </file>
 
 <file path=ppt/slideLayouts/slideLayout9.xml><?xml version="1.0" encoding="utf-8"?>
-<p:sldLayout xmlns:a="http://schemas.openxmlformats.org/drawingml/2006/main" xmlns:r="http://schemas.openxmlformats.org/officeDocument/2006/relationships" xmlns:p="http://schemas.openxmlformats.org/presentationml/2006/main" showMasterSp="0" type="picTx" preserve="1">
+<p:sldLayout xmlns:a="http://schemas.openxmlformats.org/drawingml/2006/main" xmlns:r="http://schemas.openxmlformats.org/officeDocument/2006/relationships" xmlns:p="http://schemas.openxmlformats.org/presentationml/2006/main" type="picTx" preserve="1" showMasterSp="0">
   <p:cSld name="Picture with Caption">
     <p:spTree>
       <p:nvGrpSpPr>
@@ -2988,6 +2959,7 @@
               <a:rPr lang="en-US"/>
               <a:t>Click to edit Master text styles</a:t>
             </a:r>
+            <a:endParaRPr lang="en-US"/>
           </a:p>
         </p:txBody>
       </p:sp>
@@ -3008,7 +2980,6 @@
           <a:p>
             <a:fld id="{1C6E12D2-DA3A-480B-BCDF-BFB6C7EBE402}" type="datetimeFigureOut">
               <a:rPr lang="en-US" smtClean="0"/>
-              <a:t>2/4/2023</a:t>
             </a:fld>
             <a:endParaRPr lang="en-US"/>
           </a:p>
@@ -3050,18 +3021,12 @@
           <a:p>
             <a:fld id="{F1BBC3DF-4D3E-4D62-AC24-223E50BCC8DF}" type="slidenum">
               <a:rPr lang="en-US" smtClean="0"/>
-              <a:t>‹#›</a:t>
             </a:fld>
             <a:endParaRPr lang="en-US"/>
           </a:p>
         </p:txBody>
       </p:sp>
     </p:spTree>
-    <p:extLst>
-      <p:ext uri="{BB962C8B-B14F-4D97-AF65-F5344CB8AC3E}">
-        <p14:creationId xmlns:p14="http://schemas.microsoft.com/office/powerpoint/2010/main" val="3359659366"/>
-      </p:ext>
-    </p:extLst>
   </p:cSld>
   <p:clrMapOvr>
     <a:masterClrMapping/>
@@ -3230,6 +3195,7 @@
               <a:rPr lang="en-US"/>
               <a:t>Click to edit Master text styles</a:t>
             </a:r>
+            <a:endParaRPr lang="en-US"/>
           </a:p>
           <a:p>
             <a:pPr lvl="1"/>
@@ -3237,6 +3203,7 @@
               <a:rPr lang="en-US"/>
               <a:t>Second level</a:t>
             </a:r>
+            <a:endParaRPr lang="en-US"/>
           </a:p>
           <a:p>
             <a:pPr lvl="2"/>
@@ -3244,6 +3211,7 @@
               <a:rPr lang="en-US"/>
               <a:t>Third level</a:t>
             </a:r>
+            <a:endParaRPr lang="en-US"/>
           </a:p>
           <a:p>
             <a:pPr lvl="3"/>
@@ -3251,6 +3219,7 @@
               <a:rPr lang="en-US"/>
               <a:t>Fourth level</a:t>
             </a:r>
+            <a:endParaRPr lang="en-US"/>
           </a:p>
           <a:p>
             <a:pPr lvl="4"/>
@@ -3295,7 +3264,6 @@
           <a:p>
             <a:fld id="{1C6E12D2-DA3A-480B-BCDF-BFB6C7EBE402}" type="datetimeFigureOut">
               <a:rPr lang="en-US" smtClean="0"/>
-              <a:t>2/4/2023</a:t>
             </a:fld>
             <a:endParaRPr lang="en-US"/>
           </a:p>
@@ -3369,7 +3337,6 @@
           <a:p>
             <a:fld id="{F1BBC3DF-4D3E-4D62-AC24-223E50BCC8DF}" type="slidenum">
               <a:rPr lang="en-US" smtClean="0"/>
-              <a:t>‹#›</a:t>
             </a:fld>
             <a:endParaRPr lang="en-US"/>
           </a:p>
@@ -3414,25 +3381,20 @@
         </p:style>
       </p:cxnSp>
     </p:spTree>
-    <p:extLst>
-      <p:ext uri="{BB962C8B-B14F-4D97-AF65-F5344CB8AC3E}">
-        <p14:creationId xmlns:p14="http://schemas.microsoft.com/office/powerpoint/2010/main" val="2873182510"/>
-      </p:ext>
-    </p:extLst>
   </p:cSld>
   <p:clrMap bg1="lt1" tx1="dk1" bg2="lt2" tx2="dk2" accent1="accent1" accent2="accent2" accent3="accent3" accent4="accent4" accent5="accent5" accent6="accent6" hlink="hlink" folHlink="folHlink"/>
   <p:sldLayoutIdLst>
-    <p:sldLayoutId id="2147483726" r:id="rId1"/>
-    <p:sldLayoutId id="2147483727" r:id="rId2"/>
-    <p:sldLayoutId id="2147483728" r:id="rId3"/>
-    <p:sldLayoutId id="2147483729" r:id="rId4"/>
-    <p:sldLayoutId id="2147483730" r:id="rId5"/>
-    <p:sldLayoutId id="2147483731" r:id="rId6"/>
-    <p:sldLayoutId id="2147483732" r:id="rId7"/>
-    <p:sldLayoutId id="2147483733" r:id="rId8"/>
-    <p:sldLayoutId id="2147483734" r:id="rId9"/>
-    <p:sldLayoutId id="2147483735" r:id="rId10"/>
-    <p:sldLayoutId id="2147483736" r:id="rId11"/>
+    <p:sldLayoutId id="2147483649" r:id="rId1"/>
+    <p:sldLayoutId id="2147483650" r:id="rId2"/>
+    <p:sldLayoutId id="2147483651" r:id="rId3"/>
+    <p:sldLayoutId id="2147483652" r:id="rId4"/>
+    <p:sldLayoutId id="2147483653" r:id="rId5"/>
+    <p:sldLayoutId id="2147483654" r:id="rId6"/>
+    <p:sldLayoutId id="2147483655" r:id="rId7"/>
+    <p:sldLayoutId id="2147483656" r:id="rId8"/>
+    <p:sldLayoutId id="2147483657" r:id="rId9"/>
+    <p:sldLayoutId id="2147483658" r:id="rId10"/>
+    <p:sldLayoutId id="2147483659" r:id="rId11"/>
   </p:sldLayoutIdLst>
   <p:txStyles>
     <p:titleStyle>
@@ -3486,7 +3448,7 @@
           <a:cs typeface="+mn-cs"/>
         </a:defRPr>
       </a:lvl1pPr>
-      <a:lvl2pPr marL="384048" indent="-182880" algn="l" defTabSz="914400" rtl="0" eaLnBrk="1" latinLnBrk="0" hangingPunct="1">
+      <a:lvl2pPr marL="384175" indent="-182880" algn="l" defTabSz="914400" rtl="0" eaLnBrk="1" latinLnBrk="0" hangingPunct="1">
         <a:lnSpc>
           <a:spcPct val="90000"/>
         </a:lnSpc>
@@ -3499,7 +3461,7 @@
         <a:buClr>
           <a:schemeClr val="accent1"/>
         </a:buClr>
-        <a:buFont typeface="Calibri" pitchFamily="34" charset="0"/>
+        <a:buFont typeface="Calibri" panose="020F0502020204030204" pitchFamily="34" charset="0"/>
         <a:buChar char="◦"/>
         <a:defRPr sz="1800" kern="1200">
           <a:solidFill>
@@ -3513,7 +3475,7 @@
           <a:cs typeface="+mn-cs"/>
         </a:defRPr>
       </a:lvl2pPr>
-      <a:lvl3pPr marL="566928" indent="-182880" algn="l" defTabSz="914400" rtl="0" eaLnBrk="1" latinLnBrk="0" hangingPunct="1">
+      <a:lvl3pPr marL="567055" indent="-182880" algn="l" defTabSz="914400" rtl="0" eaLnBrk="1" latinLnBrk="0" hangingPunct="1">
         <a:lnSpc>
           <a:spcPct val="90000"/>
         </a:lnSpc>
@@ -3526,7 +3488,7 @@
         <a:buClr>
           <a:schemeClr val="accent1"/>
         </a:buClr>
-        <a:buFont typeface="Calibri" pitchFamily="34" charset="0"/>
+        <a:buFont typeface="Calibri" panose="020F0502020204030204" pitchFamily="34" charset="0"/>
         <a:buChar char="◦"/>
         <a:defRPr sz="1400" kern="1200">
           <a:solidFill>
@@ -3540,7 +3502,7 @@
           <a:cs typeface="+mn-cs"/>
         </a:defRPr>
       </a:lvl3pPr>
-      <a:lvl4pPr marL="749808" indent="-182880" algn="l" defTabSz="914400" rtl="0" eaLnBrk="1" latinLnBrk="0" hangingPunct="1">
+      <a:lvl4pPr marL="749935" indent="-182880" algn="l" defTabSz="914400" rtl="0" eaLnBrk="1" latinLnBrk="0" hangingPunct="1">
         <a:lnSpc>
           <a:spcPct val="90000"/>
         </a:lnSpc>
@@ -3553,7 +3515,7 @@
         <a:buClr>
           <a:schemeClr val="accent1"/>
         </a:buClr>
-        <a:buFont typeface="Calibri" pitchFamily="34" charset="0"/>
+        <a:buFont typeface="Calibri" panose="020F0502020204030204" pitchFamily="34" charset="0"/>
         <a:buChar char="◦"/>
         <a:defRPr sz="1400" kern="1200">
           <a:solidFill>
@@ -3567,7 +3529,7 @@
           <a:cs typeface="+mn-cs"/>
         </a:defRPr>
       </a:lvl4pPr>
-      <a:lvl5pPr marL="932688" indent="-182880" algn="l" defTabSz="914400" rtl="0" eaLnBrk="1" latinLnBrk="0" hangingPunct="1">
+      <a:lvl5pPr marL="932815" indent="-182880" algn="l" defTabSz="914400" rtl="0" eaLnBrk="1" latinLnBrk="0" hangingPunct="1">
         <a:lnSpc>
           <a:spcPct val="90000"/>
         </a:lnSpc>
@@ -3580,7 +3542,7 @@
         <a:buClr>
           <a:schemeClr val="accent1"/>
         </a:buClr>
-        <a:buFont typeface="Calibri" pitchFamily="34" charset="0"/>
+        <a:buFont typeface="Calibri" panose="020F0502020204030204" pitchFamily="34" charset="0"/>
         <a:buChar char="◦"/>
         <a:defRPr sz="1400" kern="1200">
           <a:solidFill>
@@ -3594,7 +3556,7 @@
           <a:cs typeface="+mn-cs"/>
         </a:defRPr>
       </a:lvl5pPr>
-      <a:lvl6pPr marL="1100000" indent="-228600" algn="l" defTabSz="914400" rtl="0" eaLnBrk="1" latinLnBrk="0" hangingPunct="1">
+      <a:lvl6pPr marL="1099820" indent="-228600" algn="l" defTabSz="914400" rtl="0" eaLnBrk="1" latinLnBrk="0" hangingPunct="1">
         <a:lnSpc>
           <a:spcPct val="90000"/>
         </a:lnSpc>
@@ -3607,7 +3569,7 @@
         <a:buClr>
           <a:schemeClr val="accent1"/>
         </a:buClr>
-        <a:buFont typeface="Calibri" pitchFamily="34" charset="0"/>
+        <a:buFont typeface="Calibri" panose="020F0502020204030204" pitchFamily="34" charset="0"/>
         <a:buChar char="◦"/>
         <a:defRPr sz="1400" kern="1200">
           <a:solidFill>
@@ -3621,7 +3583,7 @@
           <a:cs typeface="+mn-cs"/>
         </a:defRPr>
       </a:lvl6pPr>
-      <a:lvl7pPr marL="1300000" indent="-228600" algn="l" defTabSz="914400" rtl="0" eaLnBrk="1" latinLnBrk="0" hangingPunct="1">
+      <a:lvl7pPr marL="1299845" indent="-228600" algn="l" defTabSz="914400" rtl="0" eaLnBrk="1" latinLnBrk="0" hangingPunct="1">
         <a:lnSpc>
           <a:spcPct val="90000"/>
         </a:lnSpc>
@@ -3634,7 +3596,7 @@
         <a:buClr>
           <a:schemeClr val="accent1"/>
         </a:buClr>
-        <a:buFont typeface="Calibri" pitchFamily="34" charset="0"/>
+        <a:buFont typeface="Calibri" panose="020F0502020204030204" pitchFamily="34" charset="0"/>
         <a:buChar char="◦"/>
         <a:defRPr sz="1400" kern="1200">
           <a:solidFill>
@@ -3648,7 +3610,7 @@
           <a:cs typeface="+mn-cs"/>
         </a:defRPr>
       </a:lvl7pPr>
-      <a:lvl8pPr marL="1500000" indent="-228600" algn="l" defTabSz="914400" rtl="0" eaLnBrk="1" latinLnBrk="0" hangingPunct="1">
+      <a:lvl8pPr marL="1499870" indent="-228600" algn="l" defTabSz="914400" rtl="0" eaLnBrk="1" latinLnBrk="0" hangingPunct="1">
         <a:lnSpc>
           <a:spcPct val="90000"/>
         </a:lnSpc>
@@ -3661,7 +3623,7 @@
         <a:buClr>
           <a:schemeClr val="accent1"/>
         </a:buClr>
-        <a:buFont typeface="Calibri" pitchFamily="34" charset="0"/>
+        <a:buFont typeface="Calibri" panose="020F0502020204030204" pitchFamily="34" charset="0"/>
         <a:buChar char="◦"/>
         <a:defRPr sz="1400" kern="1200">
           <a:solidFill>
@@ -3675,7 +3637,7 @@
           <a:cs typeface="+mn-cs"/>
         </a:defRPr>
       </a:lvl8pPr>
-      <a:lvl9pPr marL="1700000" indent="-228600" algn="l" defTabSz="914400" rtl="0" eaLnBrk="1" latinLnBrk="0" hangingPunct="1">
+      <a:lvl9pPr marL="1699895" indent="-228600" algn="l" defTabSz="914400" rtl="0" eaLnBrk="1" latinLnBrk="0" hangingPunct="1">
         <a:lnSpc>
           <a:spcPct val="90000"/>
         </a:lnSpc>
@@ -3688,7 +3650,7 @@
         <a:buClr>
           <a:schemeClr val="accent1"/>
         </a:buClr>
-        <a:buFont typeface="Calibri" pitchFamily="34" charset="0"/>
+        <a:buFont typeface="Calibri" panose="020F0502020204030204" pitchFamily="34" charset="0"/>
         <a:buChar char="◦"/>
         <a:defRPr sz="1400" kern="1200">
           <a:solidFill>
@@ -3821,13 +3783,7 @@
       </p:grpSpPr>
       <p:sp>
         <p:nvSpPr>
-          <p:cNvPr id="2" name="Title 1">
-            <a:extLst>
-              <a:ext uri="{FF2B5EF4-FFF2-40B4-BE49-F238E27FC236}">
-                <a16:creationId xmlns:a16="http://schemas.microsoft.com/office/drawing/2014/main" id="{5FE7D079-2B1B-40AF-AEBC-3D4705E15124}"/>
-              </a:ext>
-            </a:extLst>
-          </p:cNvPr>
+          <p:cNvPr id="2" name="Title 1"/>
           <p:cNvSpPr>
             <a:spLocks noGrp="1"/>
           </p:cNvSpPr>
@@ -3851,18 +3807,13 @@
               <a:rPr lang="en-US" dirty="0"/>
               <a:t>ACCIDENT RECORD MANAGEMENT SYSTEM</a:t>
             </a:r>
-          </a:p>
-        </p:txBody>
-      </p:sp>
-      <p:sp>
-        <p:nvSpPr>
-          <p:cNvPr id="3" name="Subtitle 2">
-            <a:extLst>
-              <a:ext uri="{FF2B5EF4-FFF2-40B4-BE49-F238E27FC236}">
-                <a16:creationId xmlns:a16="http://schemas.microsoft.com/office/drawing/2014/main" id="{B9534E64-7AE3-404E-B86A-B8C0536DD8AE}"/>
-              </a:ext>
-            </a:extLst>
-          </p:cNvPr>
+            <a:endParaRPr lang="en-US" dirty="0"/>
+          </a:p>
+        </p:txBody>
+      </p:sp>
+      <p:sp>
+        <p:nvSpPr>
+          <p:cNvPr id="3" name="Subtitle 2"/>
           <p:cNvSpPr>
             <a:spLocks noGrp="1"/>
           </p:cNvSpPr>
@@ -3885,11 +3836,6 @@
         </p:txBody>
       </p:sp>
     </p:spTree>
-    <p:extLst>
-      <p:ext uri="{BB962C8B-B14F-4D97-AF65-F5344CB8AC3E}">
-        <p14:creationId xmlns:p14="http://schemas.microsoft.com/office/powerpoint/2010/main" val="1547292264"/>
-      </p:ext>
-    </p:extLst>
   </p:cSld>
   <p:clrMapOvr>
     <a:masterClrMapping/>
@@ -3916,13 +3862,7 @@
       </p:grpSpPr>
       <p:sp>
         <p:nvSpPr>
-          <p:cNvPr id="2" name="Title 1">
-            <a:extLst>
-              <a:ext uri="{FF2B5EF4-FFF2-40B4-BE49-F238E27FC236}">
-                <a16:creationId xmlns:a16="http://schemas.microsoft.com/office/drawing/2014/main" id="{BDC1EEFF-B3ED-40E0-9C29-20B24F396040}"/>
-              </a:ext>
-            </a:extLst>
-          </p:cNvPr>
+          <p:cNvPr id="2" name="Title 1"/>
           <p:cNvSpPr>
             <a:spLocks noGrp="1"/>
           </p:cNvSpPr>
@@ -3940,18 +3880,13 @@
               <a:rPr lang="en-US" dirty="0"/>
               <a:t>Level 1:</a:t>
             </a:r>
-          </a:p>
-        </p:txBody>
-      </p:sp>
-      <p:sp>
-        <p:nvSpPr>
-          <p:cNvPr id="4" name="Content Placeholder 3">
-            <a:extLst>
-              <a:ext uri="{FF2B5EF4-FFF2-40B4-BE49-F238E27FC236}">
-                <a16:creationId xmlns:a16="http://schemas.microsoft.com/office/drawing/2014/main" id="{A02CD52B-02E9-4F25-9C21-3ED0614DCD25}"/>
-              </a:ext>
-            </a:extLst>
-          </p:cNvPr>
+            <a:endParaRPr lang="en-US" dirty="0"/>
+          </a:p>
+        </p:txBody>
+      </p:sp>
+      <p:sp>
+        <p:nvSpPr>
+          <p:cNvPr id="4" name="Content Placeholder 3"/>
           <p:cNvSpPr>
             <a:spLocks noGrp="1"/>
           </p:cNvSpPr>
@@ -3970,18 +3905,12 @@
       </p:sp>
       <p:pic>
         <p:nvPicPr>
-          <p:cNvPr id="5" name="Picture 4">
-            <a:extLst>
-              <a:ext uri="{FF2B5EF4-FFF2-40B4-BE49-F238E27FC236}">
-                <a16:creationId xmlns:a16="http://schemas.microsoft.com/office/drawing/2014/main" id="{BFA07EC6-D25B-45A6-9FB8-FA1E3F607471}"/>
-              </a:ext>
-            </a:extLst>
-          </p:cNvPr>
+          <p:cNvPr id="5" name="Picture 4"/>
           <p:cNvPicPr/>
           <p:nvPr/>
         </p:nvPicPr>
         <p:blipFill>
-          <a:blip r:embed="rId2">
+          <a:blip r:embed="rId1">
             <a:extLst>
               <a:ext uri="{28A0092B-C50C-407E-A947-70E740481C1C}">
                 <a14:useLocalDpi xmlns:a14="http://schemas.microsoft.com/office/drawing/2010/main" val="0"/>
@@ -4008,11 +3937,6 @@
         </p:spPr>
       </p:pic>
     </p:spTree>
-    <p:extLst>
-      <p:ext uri="{BB962C8B-B14F-4D97-AF65-F5344CB8AC3E}">
-        <p14:creationId xmlns:p14="http://schemas.microsoft.com/office/powerpoint/2010/main" val="1535404839"/>
-      </p:ext>
-    </p:extLst>
   </p:cSld>
   <p:clrMapOvr>
     <a:masterClrMapping/>
@@ -4029,6 +3953,60 @@
         <p:cNvGrpSpPr/>
         <p:nvPr/>
       </p:nvGrpSpPr>
+      <p:grpSpPr/>
+      <p:sp>
+        <p:nvSpPr>
+          <p:cNvPr id="2" name="Title 1"/>
+          <p:cNvSpPr>
+            <a:spLocks noGrp="1"/>
+          </p:cNvSpPr>
+          <p:nvPr>
+            <p:ph type="title"/>
+          </p:nvPr>
+        </p:nvSpPr>
+        <p:spPr/>
+        <p:txBody>
+          <a:bodyPr/>
+          <a:p>
+            <a:endParaRPr lang="en-US"/>
+          </a:p>
+        </p:txBody>
+      </p:sp>
+      <p:sp>
+        <p:nvSpPr>
+          <p:cNvPr id="3" name="Content Placeholder 2"/>
+          <p:cNvSpPr>
+            <a:spLocks noGrp="1"/>
+          </p:cNvSpPr>
+          <p:nvPr>
+            <p:ph idx="1"/>
+          </p:nvPr>
+        </p:nvSpPr>
+        <p:spPr/>
+        <p:txBody>
+          <a:bodyPr/>
+          <a:p>
+            <a:endParaRPr lang="en-US"/>
+          </a:p>
+        </p:txBody>
+      </p:sp>
+    </p:spTree>
+  </p:cSld>
+  <p:clrMapOvr>
+    <a:masterClrMapping/>
+  </p:clrMapOvr>
+</p:sld>
+</file>
+
+<file path=ppt/slides/slide12.xml><?xml version="1.0" encoding="utf-8"?>
+<p:sld xmlns:a="http://schemas.openxmlformats.org/drawingml/2006/main" xmlns:r="http://schemas.openxmlformats.org/officeDocument/2006/relationships" xmlns:p="http://schemas.openxmlformats.org/presentationml/2006/main">
+  <p:cSld>
+    <p:spTree>
+      <p:nvGrpSpPr>
+        <p:cNvPr id="1" name=""/>
+        <p:cNvGrpSpPr/>
+        <p:nvPr/>
+      </p:nvGrpSpPr>
       <p:grpSpPr>
         <a:xfrm>
           <a:off x="0" y="0"/>
@@ -4039,63 +4017,521 @@
       </p:grpSpPr>
       <p:sp>
         <p:nvSpPr>
-          <p:cNvPr id="2" name="Title 1">
+          <p:cNvPr id="2" name="Rectangle 1"/>
+          <p:cNvSpPr/>
+          <p:nvPr/>
+        </p:nvSpPr>
+        <p:spPr>
+          <a:xfrm>
+            <a:off x="714529" y="642802"/>
+            <a:ext cx="3464666" cy="461665"/>
+          </a:xfrm>
+          <a:prstGeom prst="rect">
+            <a:avLst/>
+          </a:prstGeom>
+        </p:spPr>
+        <p:txBody>
+          <a:bodyPr wrap="none">
+            <a:spAutoFit/>
+          </a:bodyPr>
+          <a:lstStyle/>
+          <a:p>
+            <a:r>
+              <a:rPr lang="en-IN" sz="2400" b="1" dirty="0">
+                <a:latin typeface="Times New Roman" panose="02020603050405020304" pitchFamily="18" charset="0"/>
+                <a:cs typeface="Times New Roman" panose="02020603050405020304" pitchFamily="18" charset="0"/>
+              </a:rPr>
+              <a:t>TABLE NAME: ADMIN</a:t>
+            </a:r>
+            <a:endParaRPr lang="en-IN" sz="2400" b="1" dirty="0">
+              <a:latin typeface="Times New Roman" panose="02020603050405020304" pitchFamily="18" charset="0"/>
+              <a:cs typeface="Times New Roman" panose="02020603050405020304" pitchFamily="18" charset="0"/>
+            </a:endParaRPr>
+          </a:p>
+        </p:txBody>
+      </p:sp>
+      <p:pic>
+        <p:nvPicPr>
+          <p:cNvPr id="3" name="Picture 2"/>
+          <p:cNvPicPr>
+            <a:picLocks noChangeAspect="1"/>
+          </p:cNvPicPr>
+          <p:nvPr/>
+        </p:nvPicPr>
+        <p:blipFill>
+          <a:blip r:embed="rId1"/>
+          <a:stretch>
+            <a:fillRect/>
+          </a:stretch>
+        </p:blipFill>
+        <p:spPr>
+          <a:xfrm>
+            <a:off x="714529" y="1991065"/>
+            <a:ext cx="10786305" cy="2582856"/>
+          </a:xfrm>
+          <a:prstGeom prst="rect">
+            <a:avLst/>
+          </a:prstGeom>
+        </p:spPr>
+      </p:pic>
+    </p:spTree>
+  </p:cSld>
+  <p:clrMapOvr>
+    <a:masterClrMapping/>
+  </p:clrMapOvr>
+</p:sld>
+</file>
+
+<file path=ppt/slides/slide13.xml><?xml version="1.0" encoding="utf-8"?>
+<p:sld xmlns:a="http://schemas.openxmlformats.org/drawingml/2006/main" xmlns:r="http://schemas.openxmlformats.org/officeDocument/2006/relationships" xmlns:p="http://schemas.openxmlformats.org/presentationml/2006/main">
+  <p:cSld>
+    <p:spTree>
+      <p:nvGrpSpPr>
+        <p:cNvPr id="1" name=""/>
+        <p:cNvGrpSpPr/>
+        <p:nvPr/>
+      </p:nvGrpSpPr>
+      <p:grpSpPr>
+        <a:xfrm>
+          <a:off x="0" y="0"/>
+          <a:ext cx="0" cy="0"/>
+          <a:chOff x="0" y="0"/>
+          <a:chExt cx="0" cy="0"/>
+        </a:xfrm>
+      </p:grpSpPr>
+      <p:pic>
+        <p:nvPicPr>
+          <p:cNvPr id="2" name="Picture 1"/>
+          <p:cNvPicPr>
+            <a:picLocks noChangeAspect="1"/>
+          </p:cNvPicPr>
+          <p:nvPr/>
+        </p:nvPicPr>
+        <p:blipFill>
+          <a:blip r:embed="rId1"/>
+          <a:stretch>
+            <a:fillRect/>
+          </a:stretch>
+        </p:blipFill>
+        <p:spPr>
+          <a:xfrm>
+            <a:off x="704356" y="592060"/>
+            <a:ext cx="10203882" cy="657189"/>
+          </a:xfrm>
+          <a:prstGeom prst="rect">
+            <a:avLst/>
+          </a:prstGeom>
+        </p:spPr>
+      </p:pic>
+      <p:pic>
+        <p:nvPicPr>
+          <p:cNvPr id="3" name="Picture 2"/>
+          <p:cNvPicPr>
+            <a:picLocks noChangeAspect="1"/>
+          </p:cNvPicPr>
+          <p:nvPr/>
+        </p:nvPicPr>
+        <p:blipFill>
+          <a:blip r:embed="rId2"/>
+          <a:stretch>
+            <a:fillRect/>
+          </a:stretch>
+        </p:blipFill>
+        <p:spPr>
+          <a:xfrm>
+            <a:off x="1018280" y="1920926"/>
+            <a:ext cx="9189665" cy="3475321"/>
+          </a:xfrm>
+          <a:prstGeom prst="rect">
+            <a:avLst/>
+          </a:prstGeom>
+        </p:spPr>
+      </p:pic>
+    </p:spTree>
+  </p:cSld>
+  <p:clrMapOvr>
+    <a:masterClrMapping/>
+  </p:clrMapOvr>
+</p:sld>
+</file>
+
+<file path=ppt/slides/slide14.xml><?xml version="1.0" encoding="utf-8"?>
+<p:sld xmlns:a="http://schemas.openxmlformats.org/drawingml/2006/main" xmlns:r="http://schemas.openxmlformats.org/officeDocument/2006/relationships" xmlns:p="http://schemas.openxmlformats.org/presentationml/2006/main">
+  <p:cSld>
+    <p:spTree>
+      <p:nvGrpSpPr>
+        <p:cNvPr id="1" name=""/>
+        <p:cNvGrpSpPr/>
+        <p:nvPr/>
+      </p:nvGrpSpPr>
+      <p:grpSpPr>
+        <a:xfrm>
+          <a:off x="0" y="0"/>
+          <a:ext cx="0" cy="0"/>
+          <a:chOff x="0" y="0"/>
+          <a:chExt cx="0" cy="0"/>
+        </a:xfrm>
+      </p:grpSpPr>
+      <p:pic>
+        <p:nvPicPr>
+          <p:cNvPr id="4" name="Picture 3"/>
+          <p:cNvPicPr>
+            <a:picLocks noChangeAspect="1"/>
+          </p:cNvPicPr>
+          <p:nvPr/>
+        </p:nvPicPr>
+        <p:blipFill>
+          <a:blip r:embed="rId1"/>
+          <a:stretch>
+            <a:fillRect/>
+          </a:stretch>
+        </p:blipFill>
+        <p:spPr>
+          <a:xfrm>
+            <a:off x="846022" y="901339"/>
+            <a:ext cx="10403849" cy="670068"/>
+          </a:xfrm>
+          <a:prstGeom prst="rect">
+            <a:avLst/>
+          </a:prstGeom>
+        </p:spPr>
+      </p:pic>
+      <p:pic>
+        <p:nvPicPr>
+          <p:cNvPr id="5" name="Picture 4"/>
+          <p:cNvPicPr>
+            <a:picLocks noChangeAspect="1"/>
+          </p:cNvPicPr>
+          <p:nvPr/>
+        </p:nvPicPr>
+        <p:blipFill>
+          <a:blip r:embed="rId2"/>
+          <a:stretch>
+            <a:fillRect/>
+          </a:stretch>
+        </p:blipFill>
+        <p:spPr>
+          <a:xfrm>
+            <a:off x="1114460" y="1803226"/>
+            <a:ext cx="10354942" cy="3129382"/>
+          </a:xfrm>
+          <a:prstGeom prst="rect">
+            <a:avLst/>
+          </a:prstGeom>
+        </p:spPr>
+      </p:pic>
+    </p:spTree>
+  </p:cSld>
+  <p:clrMapOvr>
+    <a:masterClrMapping/>
+  </p:clrMapOvr>
+</p:sld>
+</file>
+
+<file path=ppt/slides/slide15.xml><?xml version="1.0" encoding="utf-8"?>
+<p:sld xmlns:a="http://schemas.openxmlformats.org/drawingml/2006/main" xmlns:r="http://schemas.openxmlformats.org/officeDocument/2006/relationships" xmlns:p="http://schemas.openxmlformats.org/presentationml/2006/main">
+  <p:cSld>
+    <p:spTree>
+      <p:nvGrpSpPr>
+        <p:cNvPr id="1" name=""/>
+        <p:cNvGrpSpPr/>
+        <p:nvPr/>
+      </p:nvGrpSpPr>
+      <p:grpSpPr>
+        <a:xfrm>
+          <a:off x="0" y="0"/>
+          <a:ext cx="0" cy="0"/>
+          <a:chOff x="0" y="0"/>
+          <a:chExt cx="0" cy="0"/>
+        </a:xfrm>
+      </p:grpSpPr>
+      <p:pic>
+        <p:nvPicPr>
+          <p:cNvPr id="2" name="Picture 1"/>
+          <p:cNvPicPr>
+            <a:picLocks noChangeAspect="1"/>
+          </p:cNvPicPr>
+          <p:nvPr/>
+        </p:nvPicPr>
+        <p:blipFill>
+          <a:blip r:embed="rId1"/>
+          <a:stretch>
+            <a:fillRect/>
+          </a:stretch>
+        </p:blipFill>
+        <p:spPr>
+          <a:xfrm>
+            <a:off x="549808" y="476150"/>
+            <a:ext cx="10003931" cy="644311"/>
+          </a:xfrm>
+          <a:prstGeom prst="rect">
+            <a:avLst/>
+          </a:prstGeom>
+        </p:spPr>
+      </p:pic>
+      <p:pic>
+        <p:nvPicPr>
+          <p:cNvPr id="4" name="Picture 3"/>
+          <p:cNvPicPr>
+            <a:picLocks noChangeAspect="1"/>
+          </p:cNvPicPr>
+          <p:nvPr/>
+        </p:nvPicPr>
+        <p:blipFill>
+          <a:blip r:embed="rId2"/>
+          <a:stretch>
+            <a:fillRect/>
+          </a:stretch>
+        </p:blipFill>
+        <p:spPr>
+          <a:xfrm>
+            <a:off x="1242314" y="722517"/>
+            <a:ext cx="9311425" cy="6135483"/>
+          </a:xfrm>
+          <a:prstGeom prst="rect">
+            <a:avLst/>
+          </a:prstGeom>
+        </p:spPr>
+      </p:pic>
+    </p:spTree>
+  </p:cSld>
+  <p:clrMapOvr>
+    <a:masterClrMapping/>
+  </p:clrMapOvr>
+</p:sld>
+</file>
+
+<file path=ppt/slides/slide16.xml><?xml version="1.0" encoding="utf-8"?>
+<p:sld xmlns:a="http://schemas.openxmlformats.org/drawingml/2006/main" xmlns:r="http://schemas.openxmlformats.org/officeDocument/2006/relationships" xmlns:p="http://schemas.openxmlformats.org/presentationml/2006/main">
+  <p:cSld>
+    <p:spTree>
+      <p:nvGrpSpPr>
+        <p:cNvPr id="1" name=""/>
+        <p:cNvGrpSpPr/>
+        <p:nvPr/>
+      </p:nvGrpSpPr>
+      <p:grpSpPr>
+        <a:xfrm>
+          <a:off x="0" y="0"/>
+          <a:ext cx="0" cy="0"/>
+          <a:chOff x="0" y="0"/>
+          <a:chExt cx="0" cy="0"/>
+        </a:xfrm>
+      </p:grpSpPr>
+      <p:pic>
+        <p:nvPicPr>
+          <p:cNvPr id="2" name="Picture 1"/>
+          <p:cNvPicPr>
+            <a:picLocks noChangeAspect="1"/>
+          </p:cNvPicPr>
+          <p:nvPr/>
+        </p:nvPicPr>
+        <p:blipFill>
+          <a:blip r:embed="rId1"/>
+          <a:stretch>
+            <a:fillRect/>
+          </a:stretch>
+        </p:blipFill>
+        <p:spPr>
+          <a:xfrm>
+            <a:off x="498292" y="588473"/>
+            <a:ext cx="9225258" cy="1421521"/>
+          </a:xfrm>
+          <a:prstGeom prst="rect">
+            <a:avLst/>
+          </a:prstGeom>
+        </p:spPr>
+      </p:pic>
+      <p:pic>
+        <p:nvPicPr>
+          <p:cNvPr id="3" name="Picture 2"/>
+          <p:cNvPicPr>
+            <a:picLocks noChangeAspect="1"/>
+          </p:cNvPicPr>
+          <p:nvPr/>
+        </p:nvPicPr>
+        <p:blipFill>
+          <a:blip r:embed="rId2"/>
+          <a:stretch>
+            <a:fillRect/>
+          </a:stretch>
+        </p:blipFill>
+        <p:spPr>
+          <a:xfrm>
+            <a:off x="614116" y="2396361"/>
+            <a:ext cx="10526109" cy="2520551"/>
+          </a:xfrm>
+          <a:prstGeom prst="rect">
+            <a:avLst/>
+          </a:prstGeom>
+        </p:spPr>
+      </p:pic>
+    </p:spTree>
+  </p:cSld>
+  <p:clrMapOvr>
+    <a:masterClrMapping/>
+  </p:clrMapOvr>
+</p:sld>
+</file>
+
+<file path=ppt/slides/slide17.xml><?xml version="1.0" encoding="utf-8"?>
+<p:sld xmlns:a="http://schemas.openxmlformats.org/drawingml/2006/main" xmlns:r="http://schemas.openxmlformats.org/officeDocument/2006/relationships" xmlns:p="http://schemas.openxmlformats.org/presentationml/2006/main">
+  <p:cSld>
+    <p:spTree>
+      <p:nvGrpSpPr>
+        <p:cNvPr id="1" name=""/>
+        <p:cNvGrpSpPr/>
+        <p:nvPr/>
+      </p:nvGrpSpPr>
+      <p:grpSpPr>
+        <a:xfrm>
+          <a:off x="0" y="0"/>
+          <a:ext cx="0" cy="0"/>
+          <a:chOff x="0" y="0"/>
+          <a:chExt cx="0" cy="0"/>
+        </a:xfrm>
+      </p:grpSpPr>
+      <p:pic>
+        <p:nvPicPr>
+          <p:cNvPr id="3" name="Picture 2"/>
+          <p:cNvPicPr>
+            <a:picLocks noChangeAspect="1"/>
+          </p:cNvPicPr>
+          <p:nvPr/>
+        </p:nvPicPr>
+        <p:blipFill>
+          <a:blip r:embed="rId1">
             <a:extLst>
-              <a:ext uri="{FF2B5EF4-FFF2-40B4-BE49-F238E27FC236}">
-                <a16:creationId xmlns:a16="http://schemas.microsoft.com/office/drawing/2014/main" id="{3D27B6BD-6029-4719-B606-0057CD8A37CB}"/>
+              <a:ext uri="{28A0092B-C50C-407E-A947-70E740481C1C}">
+                <a14:useLocalDpi xmlns:a14="http://schemas.microsoft.com/office/drawing/2010/main" val="0"/>
               </a:ext>
             </a:extLst>
-          </p:cNvPr>
-          <p:cNvSpPr>
-            <a:spLocks noGrp="1"/>
-          </p:cNvSpPr>
-          <p:nvPr>
-            <p:ph type="title"/>
-          </p:nvPr>
-        </p:nvSpPr>
-        <p:spPr/>
-        <p:txBody>
-          <a:bodyPr/>
-          <a:lstStyle/>
-          <a:p>
-            <a:r>
-              <a:rPr lang="en-US" dirty="0"/>
-              <a:t>Thank You</a:t>
-            </a:r>
-          </a:p>
-        </p:txBody>
-      </p:sp>
-      <p:sp>
-        <p:nvSpPr>
-          <p:cNvPr id="3" name="Content Placeholder 2">
+          </a:blip>
+          <a:stretch>
+            <a:fillRect/>
+          </a:stretch>
+        </p:blipFill>
+        <p:spPr>
+          <a:xfrm>
+            <a:off x="1120857" y="231139"/>
+            <a:ext cx="9427873" cy="6395722"/>
+          </a:xfrm>
+          <a:prstGeom prst="rect">
+            <a:avLst/>
+          </a:prstGeom>
+        </p:spPr>
+      </p:pic>
+    </p:spTree>
+  </p:cSld>
+  <p:clrMapOvr>
+    <a:masterClrMapping/>
+  </p:clrMapOvr>
+</p:sld>
+</file>
+
+<file path=ppt/slides/slide18.xml><?xml version="1.0" encoding="utf-8"?>
+<p:sld xmlns:a="http://schemas.openxmlformats.org/drawingml/2006/main" xmlns:r="http://schemas.openxmlformats.org/officeDocument/2006/relationships" xmlns:p="http://schemas.openxmlformats.org/presentationml/2006/main">
+  <p:cSld>
+    <p:spTree>
+      <p:nvGrpSpPr>
+        <p:cNvPr id="1" name=""/>
+        <p:cNvGrpSpPr/>
+        <p:nvPr/>
+      </p:nvGrpSpPr>
+      <p:grpSpPr>
+        <a:xfrm>
+          <a:off x="0" y="0"/>
+          <a:ext cx="0" cy="0"/>
+          <a:chOff x="0" y="0"/>
+          <a:chExt cx="0" cy="0"/>
+        </a:xfrm>
+      </p:grpSpPr>
+      <p:pic>
+        <p:nvPicPr>
+          <p:cNvPr id="3" name="Picture 2"/>
+          <p:cNvPicPr>
+            <a:picLocks noChangeAspect="1"/>
+          </p:cNvPicPr>
+          <p:nvPr/>
+        </p:nvPicPr>
+        <p:blipFill>
+          <a:blip r:embed="rId1">
             <a:extLst>
-              <a:ext uri="{FF2B5EF4-FFF2-40B4-BE49-F238E27FC236}">
-                <a16:creationId xmlns:a16="http://schemas.microsoft.com/office/drawing/2014/main" id="{B7A32F1A-EEE9-4FAF-8505-D230D3A96A68}"/>
+              <a:ext uri="{28A0092B-C50C-407E-A947-70E740481C1C}">
+                <a14:useLocalDpi xmlns:a14="http://schemas.microsoft.com/office/drawing/2010/main" val="0"/>
               </a:ext>
             </a:extLst>
-          </p:cNvPr>
-          <p:cNvSpPr>
-            <a:spLocks noGrp="1"/>
-          </p:cNvSpPr>
-          <p:nvPr>
-            <p:ph idx="1"/>
-          </p:nvPr>
-        </p:nvSpPr>
-        <p:spPr/>
-        <p:txBody>
-          <a:bodyPr/>
-          <a:lstStyle/>
-          <a:p>
-            <a:endParaRPr lang="en-US" dirty="0"/>
-          </a:p>
-        </p:txBody>
-      </p:sp>
+          </a:blip>
+          <a:stretch>
+            <a:fillRect/>
+          </a:stretch>
+        </p:blipFill>
+        <p:spPr>
+          <a:xfrm>
+            <a:off x="1041344" y="0"/>
+            <a:ext cx="10109312" cy="6858000"/>
+          </a:xfrm>
+          <a:prstGeom prst="rect">
+            <a:avLst/>
+          </a:prstGeom>
+        </p:spPr>
+      </p:pic>
     </p:spTree>
-    <p:extLst>
-      <p:ext uri="{BB962C8B-B14F-4D97-AF65-F5344CB8AC3E}">
-        <p14:creationId xmlns:p14="http://schemas.microsoft.com/office/powerpoint/2010/main" val="3224667788"/>
-      </p:ext>
-    </p:extLst>
+  </p:cSld>
+  <p:clrMapOvr>
+    <a:masterClrMapping/>
+  </p:clrMapOvr>
+</p:sld>
+</file>
+
+<file path=ppt/slides/slide19.xml><?xml version="1.0" encoding="utf-8"?>
+<p:sld xmlns:a="http://schemas.openxmlformats.org/drawingml/2006/main" xmlns:r="http://schemas.openxmlformats.org/officeDocument/2006/relationships" xmlns:p="http://schemas.openxmlformats.org/presentationml/2006/main">
+  <p:cSld>
+    <p:spTree>
+      <p:nvGrpSpPr>
+        <p:cNvPr id="1" name=""/>
+        <p:cNvGrpSpPr/>
+        <p:nvPr/>
+      </p:nvGrpSpPr>
+      <p:grpSpPr>
+        <a:xfrm>
+          <a:off x="0" y="0"/>
+          <a:ext cx="0" cy="0"/>
+          <a:chOff x="0" y="0"/>
+          <a:chExt cx="0" cy="0"/>
+        </a:xfrm>
+      </p:grpSpPr>
+      <p:pic>
+        <p:nvPicPr>
+          <p:cNvPr id="3" name="Picture 2"/>
+          <p:cNvPicPr>
+            <a:picLocks noChangeAspect="1"/>
+          </p:cNvPicPr>
+          <p:nvPr/>
+        </p:nvPicPr>
+        <p:blipFill>
+          <a:blip r:embed="rId1">
+            <a:extLst>
+              <a:ext uri="{28A0092B-C50C-407E-A947-70E740481C1C}">
+                <a14:useLocalDpi xmlns:a14="http://schemas.microsoft.com/office/drawing/2010/main" val="0"/>
+              </a:ext>
+            </a:extLst>
+          </a:blip>
+          <a:stretch>
+            <a:fillRect/>
+          </a:stretch>
+        </p:blipFill>
+        <p:spPr>
+          <a:xfrm>
+            <a:off x="1041344" y="0"/>
+            <a:ext cx="10109312" cy="6858000"/>
+          </a:xfrm>
+          <a:prstGeom prst="rect">
+            <a:avLst/>
+          </a:prstGeom>
+        </p:spPr>
+      </p:pic>
+    </p:spTree>
   </p:cSld>
   <p:clrMapOvr>
     <a:masterClrMapping/>
@@ -4122,13 +4558,7 @@
       </p:grpSpPr>
       <p:sp>
         <p:nvSpPr>
-          <p:cNvPr id="2" name="Title 1">
-            <a:extLst>
-              <a:ext uri="{FF2B5EF4-FFF2-40B4-BE49-F238E27FC236}">
-                <a16:creationId xmlns:a16="http://schemas.microsoft.com/office/drawing/2014/main" id="{6B8DFE3D-CF41-4632-AEB2-4BE6F92E974B}"/>
-              </a:ext>
-            </a:extLst>
-          </p:cNvPr>
+          <p:cNvPr id="2" name="Title 1"/>
           <p:cNvSpPr>
             <a:spLocks noGrp="1"/>
           </p:cNvSpPr>
@@ -4145,18 +4575,13 @@
               <a:rPr lang="en-US" dirty="0"/>
               <a:t>ABSTRACT</a:t>
             </a:r>
-          </a:p>
-        </p:txBody>
-      </p:sp>
-      <p:sp>
-        <p:nvSpPr>
-          <p:cNvPr id="3" name="Content Placeholder 2">
-            <a:extLst>
-              <a:ext uri="{FF2B5EF4-FFF2-40B4-BE49-F238E27FC236}">
-                <a16:creationId xmlns:a16="http://schemas.microsoft.com/office/drawing/2014/main" id="{5854B835-7BC2-467F-A535-7DE21884A81B}"/>
-              </a:ext>
-            </a:extLst>
-          </p:cNvPr>
+            <a:endParaRPr lang="en-US" dirty="0"/>
+          </a:p>
+        </p:txBody>
+      </p:sp>
+      <p:sp>
+        <p:nvSpPr>
+          <p:cNvPr id="3" name="Content Placeholder 2"/>
           <p:cNvSpPr>
             <a:spLocks noGrp="1"/>
           </p:cNvSpPr>
@@ -4171,7 +4596,7 @@
           </a:bodyPr>
           <a:lstStyle/>
           <a:p>
-            <a:pPr marL="292608" lvl="1">
+            <a:pPr marL="292735" lvl="1">
               <a:lnSpc>
                 <a:spcPct val="150000"/>
               </a:lnSpc>
@@ -4204,11 +4629,128 @@
         </p:txBody>
       </p:sp>
     </p:spTree>
-    <p:extLst>
-      <p:ext uri="{BB962C8B-B14F-4D97-AF65-F5344CB8AC3E}">
-        <p14:creationId xmlns:p14="http://schemas.microsoft.com/office/powerpoint/2010/main" val="1446555541"/>
-      </p:ext>
-    </p:extLst>
+  </p:cSld>
+  <p:clrMapOvr>
+    <a:masterClrMapping/>
+  </p:clrMapOvr>
+</p:sld>
+</file>
+
+<file path=ppt/slides/slide20.xml><?xml version="1.0" encoding="utf-8"?>
+<p:sld xmlns:a="http://schemas.openxmlformats.org/drawingml/2006/main" xmlns:r="http://schemas.openxmlformats.org/officeDocument/2006/relationships" xmlns:p="http://schemas.openxmlformats.org/presentationml/2006/main">
+  <p:cSld>
+    <p:spTree>
+      <p:nvGrpSpPr>
+        <p:cNvPr id="1" name=""/>
+        <p:cNvGrpSpPr/>
+        <p:nvPr/>
+      </p:nvGrpSpPr>
+      <p:grpSpPr>
+        <a:xfrm>
+          <a:off x="0" y="0"/>
+          <a:ext cx="0" cy="0"/>
+          <a:chOff x="0" y="0"/>
+          <a:chExt cx="0" cy="0"/>
+        </a:xfrm>
+      </p:grpSpPr>
+      <p:pic>
+        <p:nvPicPr>
+          <p:cNvPr id="3" name="Picture 2"/>
+          <p:cNvPicPr>
+            <a:picLocks noChangeAspect="1"/>
+          </p:cNvPicPr>
+          <p:nvPr/>
+        </p:nvPicPr>
+        <p:blipFill>
+          <a:blip r:embed="rId1">
+            <a:extLst>
+              <a:ext uri="{28A0092B-C50C-407E-A947-70E740481C1C}">
+                <a14:useLocalDpi xmlns:a14="http://schemas.microsoft.com/office/drawing/2010/main" val="0"/>
+              </a:ext>
+            </a:extLst>
+          </a:blip>
+          <a:stretch>
+            <a:fillRect/>
+          </a:stretch>
+        </p:blipFill>
+        <p:spPr>
+          <a:xfrm>
+            <a:off x="1041344" y="0"/>
+            <a:ext cx="10109312" cy="6858000"/>
+          </a:xfrm>
+          <a:prstGeom prst="rect">
+            <a:avLst/>
+          </a:prstGeom>
+        </p:spPr>
+      </p:pic>
+    </p:spTree>
+  </p:cSld>
+  <p:clrMapOvr>
+    <a:masterClrMapping/>
+  </p:clrMapOvr>
+</p:sld>
+</file>
+
+<file path=ppt/slides/slide21.xml><?xml version="1.0" encoding="utf-8"?>
+<p:sld xmlns:a="http://schemas.openxmlformats.org/drawingml/2006/main" xmlns:r="http://schemas.openxmlformats.org/officeDocument/2006/relationships" xmlns:p="http://schemas.openxmlformats.org/presentationml/2006/main">
+  <p:cSld>
+    <p:spTree>
+      <p:nvGrpSpPr>
+        <p:cNvPr id="1" name=""/>
+        <p:cNvGrpSpPr/>
+        <p:nvPr/>
+      </p:nvGrpSpPr>
+      <p:grpSpPr>
+        <a:xfrm>
+          <a:off x="0" y="0"/>
+          <a:ext cx="0" cy="0"/>
+          <a:chOff x="0" y="0"/>
+          <a:chExt cx="0" cy="0"/>
+        </a:xfrm>
+      </p:grpSpPr>
+      <p:sp>
+        <p:nvSpPr>
+          <p:cNvPr id="2" name="Title 1"/>
+          <p:cNvSpPr>
+            <a:spLocks noGrp="1"/>
+          </p:cNvSpPr>
+          <p:nvPr>
+            <p:ph type="title"/>
+          </p:nvPr>
+        </p:nvSpPr>
+        <p:spPr/>
+        <p:txBody>
+          <a:bodyPr/>
+          <a:lstStyle/>
+          <a:p>
+            <a:r>
+              <a:rPr lang="en-US" dirty="0"/>
+              <a:t>Thank You</a:t>
+            </a:r>
+            <a:endParaRPr lang="en-US" dirty="0"/>
+          </a:p>
+        </p:txBody>
+      </p:sp>
+      <p:sp>
+        <p:nvSpPr>
+          <p:cNvPr id="3" name="Content Placeholder 2"/>
+          <p:cNvSpPr>
+            <a:spLocks noGrp="1"/>
+          </p:cNvSpPr>
+          <p:nvPr>
+            <p:ph idx="1"/>
+          </p:nvPr>
+        </p:nvSpPr>
+        <p:spPr/>
+        <p:txBody>
+          <a:bodyPr/>
+          <a:lstStyle/>
+          <a:p>
+            <a:endParaRPr lang="en-US" dirty="0"/>
+          </a:p>
+        </p:txBody>
+      </p:sp>
+    </p:spTree>
   </p:cSld>
   <p:clrMapOvr>
     <a:masterClrMapping/>
@@ -4235,13 +4777,7 @@
       </p:grpSpPr>
       <p:sp>
         <p:nvSpPr>
-          <p:cNvPr id="2" name="Title 1">
-            <a:extLst>
-              <a:ext uri="{FF2B5EF4-FFF2-40B4-BE49-F238E27FC236}">
-                <a16:creationId xmlns:a16="http://schemas.microsoft.com/office/drawing/2014/main" id="{C928D01C-8D37-4F3A-B329-D9C66B48A509}"/>
-              </a:ext>
-            </a:extLst>
-          </p:cNvPr>
+          <p:cNvPr id="2" name="Title 1"/>
           <p:cNvSpPr>
             <a:spLocks noGrp="1"/>
           </p:cNvSpPr>
@@ -4268,13 +4804,7 @@
       </p:sp>
       <p:sp>
         <p:nvSpPr>
-          <p:cNvPr id="3" name="Content Placeholder 2">
-            <a:extLst>
-              <a:ext uri="{FF2B5EF4-FFF2-40B4-BE49-F238E27FC236}">
-                <a16:creationId xmlns:a16="http://schemas.microsoft.com/office/drawing/2014/main" id="{D5EC0356-6C79-4D24-998C-29DE6C39D1B9}"/>
-              </a:ext>
-            </a:extLst>
-          </p:cNvPr>
+          <p:cNvPr id="3" name="Content Placeholder 2"/>
           <p:cNvSpPr>
             <a:spLocks noGrp="1"/>
           </p:cNvSpPr>
@@ -4394,11 +4924,6 @@
         </p:txBody>
       </p:sp>
     </p:spTree>
-    <p:extLst>
-      <p:ext uri="{BB962C8B-B14F-4D97-AF65-F5344CB8AC3E}">
-        <p14:creationId xmlns:p14="http://schemas.microsoft.com/office/powerpoint/2010/main" val="144813404"/>
-      </p:ext>
-    </p:extLst>
   </p:cSld>
   <p:clrMapOvr>
     <a:masterClrMapping/>
@@ -4425,13 +4950,7 @@
       </p:grpSpPr>
       <p:sp>
         <p:nvSpPr>
-          <p:cNvPr id="2" name="Title 1">
-            <a:extLst>
-              <a:ext uri="{FF2B5EF4-FFF2-40B4-BE49-F238E27FC236}">
-                <a16:creationId xmlns:a16="http://schemas.microsoft.com/office/drawing/2014/main" id="{4D9503AC-872F-4E85-AEE2-7A8E7C5BC087}"/>
-              </a:ext>
-            </a:extLst>
-          </p:cNvPr>
+          <p:cNvPr id="2" name="Title 1"/>
           <p:cNvSpPr>
             <a:spLocks noGrp="1"/>
           </p:cNvSpPr>
@@ -4468,13 +4987,7 @@
       </p:sp>
       <p:sp>
         <p:nvSpPr>
-          <p:cNvPr id="3" name="Content Placeholder 2">
-            <a:extLst>
-              <a:ext uri="{FF2B5EF4-FFF2-40B4-BE49-F238E27FC236}">
-                <a16:creationId xmlns:a16="http://schemas.microsoft.com/office/drawing/2014/main" id="{7F785B1C-3FC4-43FE-88A7-4F680B15B227}"/>
-              </a:ext>
-            </a:extLst>
-          </p:cNvPr>
+          <p:cNvPr id="3" name="Content Placeholder 2"/>
           <p:cNvSpPr>
             <a:spLocks noGrp="1"/>
           </p:cNvSpPr>
@@ -4622,11 +5135,6 @@
         </p:txBody>
       </p:sp>
     </p:spTree>
-    <p:extLst>
-      <p:ext uri="{BB962C8B-B14F-4D97-AF65-F5344CB8AC3E}">
-        <p14:creationId xmlns:p14="http://schemas.microsoft.com/office/powerpoint/2010/main" val="2447836325"/>
-      </p:ext>
-    </p:extLst>
   </p:cSld>
   <p:clrMapOvr>
     <a:masterClrMapping/>
@@ -4653,13 +5161,7 @@
       </p:grpSpPr>
       <p:sp>
         <p:nvSpPr>
-          <p:cNvPr id="2" name="Title 1">
-            <a:extLst>
-              <a:ext uri="{FF2B5EF4-FFF2-40B4-BE49-F238E27FC236}">
-                <a16:creationId xmlns:a16="http://schemas.microsoft.com/office/drawing/2014/main" id="{DE96AEBB-53AB-4615-9F17-8505694A5C4F}"/>
-              </a:ext>
-            </a:extLst>
-          </p:cNvPr>
+          <p:cNvPr id="2" name="Title 1"/>
           <p:cNvSpPr>
             <a:spLocks noGrp="1"/>
           </p:cNvSpPr>
@@ -4676,18 +5178,13 @@
               <a:rPr lang="en-US" dirty="0"/>
               <a:t>EXISTING SYSTEM</a:t>
             </a:r>
-          </a:p>
-        </p:txBody>
-      </p:sp>
-      <p:sp>
-        <p:nvSpPr>
-          <p:cNvPr id="3" name="Content Placeholder 2">
-            <a:extLst>
-              <a:ext uri="{FF2B5EF4-FFF2-40B4-BE49-F238E27FC236}">
-                <a16:creationId xmlns:a16="http://schemas.microsoft.com/office/drawing/2014/main" id="{B678DDFF-0C1F-4E6A-A7AF-6FD81C2BA9CF}"/>
-              </a:ext>
-            </a:extLst>
-          </p:cNvPr>
+            <a:endParaRPr lang="en-US" dirty="0"/>
+          </a:p>
+        </p:txBody>
+      </p:sp>
+      <p:sp>
+        <p:nvSpPr>
+          <p:cNvPr id="3" name="Content Placeholder 2"/>
           <p:cNvSpPr>
             <a:spLocks noGrp="1"/>
           </p:cNvSpPr>
@@ -4878,11 +5375,6 @@
         </p:txBody>
       </p:sp>
     </p:spTree>
-    <p:extLst>
-      <p:ext uri="{BB962C8B-B14F-4D97-AF65-F5344CB8AC3E}">
-        <p14:creationId xmlns:p14="http://schemas.microsoft.com/office/powerpoint/2010/main" val="159029031"/>
-      </p:ext>
-    </p:extLst>
   </p:cSld>
   <p:clrMapOvr>
     <a:masterClrMapping/>
@@ -4909,13 +5401,7 @@
       </p:grpSpPr>
       <p:sp>
         <p:nvSpPr>
-          <p:cNvPr id="2" name="Title 1">
-            <a:extLst>
-              <a:ext uri="{FF2B5EF4-FFF2-40B4-BE49-F238E27FC236}">
-                <a16:creationId xmlns:a16="http://schemas.microsoft.com/office/drawing/2014/main" id="{D32D4710-71A8-410A-85F1-3F6B0BE3FAC7}"/>
-              </a:ext>
-            </a:extLst>
-          </p:cNvPr>
+          <p:cNvPr id="2" name="Title 1"/>
           <p:cNvSpPr>
             <a:spLocks noGrp="1"/>
           </p:cNvSpPr>
@@ -4932,18 +5418,13 @@
               <a:rPr lang="en-US" dirty="0"/>
               <a:t>PROPOSED SYSTEM</a:t>
             </a:r>
-          </a:p>
-        </p:txBody>
-      </p:sp>
-      <p:sp>
-        <p:nvSpPr>
-          <p:cNvPr id="3" name="Content Placeholder 2">
-            <a:extLst>
-              <a:ext uri="{FF2B5EF4-FFF2-40B4-BE49-F238E27FC236}">
-                <a16:creationId xmlns:a16="http://schemas.microsoft.com/office/drawing/2014/main" id="{76E19CB4-FA1C-4ED5-AFF1-B82455ED53A4}"/>
-              </a:ext>
-            </a:extLst>
-          </p:cNvPr>
+            <a:endParaRPr lang="en-US" dirty="0"/>
+          </a:p>
+        </p:txBody>
+      </p:sp>
+      <p:sp>
+        <p:nvSpPr>
+          <p:cNvPr id="3" name="Content Placeholder 2"/>
           <p:cNvSpPr>
             <a:spLocks noGrp="1"/>
           </p:cNvSpPr>
@@ -5171,11 +5652,6 @@
         </p:txBody>
       </p:sp>
     </p:spTree>
-    <p:extLst>
-      <p:ext uri="{BB962C8B-B14F-4D97-AF65-F5344CB8AC3E}">
-        <p14:creationId xmlns:p14="http://schemas.microsoft.com/office/powerpoint/2010/main" val="1860635155"/>
-      </p:ext>
-    </p:extLst>
   </p:cSld>
   <p:clrMapOvr>
     <a:masterClrMapping/>
@@ -5202,13 +5678,7 @@
       </p:grpSpPr>
       <p:sp>
         <p:nvSpPr>
-          <p:cNvPr id="2" name="Title 1">
-            <a:extLst>
-              <a:ext uri="{FF2B5EF4-FFF2-40B4-BE49-F238E27FC236}">
-                <a16:creationId xmlns:a16="http://schemas.microsoft.com/office/drawing/2014/main" id="{2D82E879-44E2-4AFC-91C1-A644CA698A8B}"/>
-              </a:ext>
-            </a:extLst>
-          </p:cNvPr>
+          <p:cNvPr id="2" name="Title 1"/>
           <p:cNvSpPr>
             <a:spLocks noGrp="1"/>
           </p:cNvSpPr>
@@ -5225,18 +5695,13 @@
               <a:rPr lang="en-US" dirty="0"/>
               <a:t>Modules</a:t>
             </a:r>
-          </a:p>
-        </p:txBody>
-      </p:sp>
-      <p:sp>
-        <p:nvSpPr>
-          <p:cNvPr id="3" name="Content Placeholder 2">
-            <a:extLst>
-              <a:ext uri="{FF2B5EF4-FFF2-40B4-BE49-F238E27FC236}">
-                <a16:creationId xmlns:a16="http://schemas.microsoft.com/office/drawing/2014/main" id="{C08555ED-5306-4AC3-82F6-94DC618DC81F}"/>
-              </a:ext>
-            </a:extLst>
-          </p:cNvPr>
+            <a:endParaRPr lang="en-US" dirty="0"/>
+          </a:p>
+        </p:txBody>
+      </p:sp>
+      <p:sp>
+        <p:nvSpPr>
+          <p:cNvPr id="3" name="Content Placeholder 2"/>
           <p:cNvSpPr>
             <a:spLocks noGrp="1"/>
           </p:cNvSpPr>
@@ -5367,11 +5832,6 @@
         </p:txBody>
       </p:sp>
     </p:spTree>
-    <p:extLst>
-      <p:ext uri="{BB962C8B-B14F-4D97-AF65-F5344CB8AC3E}">
-        <p14:creationId xmlns:p14="http://schemas.microsoft.com/office/powerpoint/2010/main" val="4215025794"/>
-      </p:ext>
-    </p:extLst>
   </p:cSld>
   <p:clrMapOvr>
     <a:masterClrMapping/>
@@ -5398,13 +5858,7 @@
       </p:grpSpPr>
       <p:sp>
         <p:nvSpPr>
-          <p:cNvPr id="2" name="Title 1">
-            <a:extLst>
-              <a:ext uri="{FF2B5EF4-FFF2-40B4-BE49-F238E27FC236}">
-                <a16:creationId xmlns:a16="http://schemas.microsoft.com/office/drawing/2014/main" id="{4170C2D7-81D8-4BA8-8D90-F0EA842C9507}"/>
-              </a:ext>
-            </a:extLst>
-          </p:cNvPr>
+          <p:cNvPr id="2" name="Title 1"/>
           <p:cNvSpPr>
             <a:spLocks noGrp="1"/>
           </p:cNvSpPr>
@@ -5423,13 +5877,7 @@
       </p:sp>
       <p:sp>
         <p:nvSpPr>
-          <p:cNvPr id="3" name="Content Placeholder 2">
-            <a:extLst>
-              <a:ext uri="{FF2B5EF4-FFF2-40B4-BE49-F238E27FC236}">
-                <a16:creationId xmlns:a16="http://schemas.microsoft.com/office/drawing/2014/main" id="{0B8F9E25-F29C-4FEA-ACB4-6D6057146BE7}"/>
-              </a:ext>
-            </a:extLst>
-          </p:cNvPr>
+          <p:cNvPr id="3" name="Content Placeholder 2"/>
           <p:cNvSpPr>
             <a:spLocks noGrp="1"/>
           </p:cNvSpPr>
@@ -5617,11 +6065,6 @@
         </p:txBody>
       </p:sp>
     </p:spTree>
-    <p:extLst>
-      <p:ext uri="{BB962C8B-B14F-4D97-AF65-F5344CB8AC3E}">
-        <p14:creationId xmlns:p14="http://schemas.microsoft.com/office/powerpoint/2010/main" val="2024169710"/>
-      </p:ext>
-    </p:extLst>
   </p:cSld>
   <p:clrMapOvr>
     <a:masterClrMapping/>
@@ -5648,13 +6091,7 @@
       </p:grpSpPr>
       <p:sp>
         <p:nvSpPr>
-          <p:cNvPr id="2" name="Title 1">
-            <a:extLst>
-              <a:ext uri="{FF2B5EF4-FFF2-40B4-BE49-F238E27FC236}">
-                <a16:creationId xmlns:a16="http://schemas.microsoft.com/office/drawing/2014/main" id="{A810D388-6C07-4546-918A-2B5A67408456}"/>
-              </a:ext>
-            </a:extLst>
-          </p:cNvPr>
+          <p:cNvPr id="2" name="Title 1"/>
           <p:cNvSpPr>
             <a:spLocks noGrp="1"/>
           </p:cNvSpPr>
@@ -5671,18 +6108,13 @@
               <a:rPr lang="en-US" dirty="0"/>
               <a:t>Data Flow Diagram</a:t>
             </a:r>
-          </a:p>
-        </p:txBody>
-      </p:sp>
-      <p:sp>
-        <p:nvSpPr>
-          <p:cNvPr id="3" name="Content Placeholder 2">
-            <a:extLst>
-              <a:ext uri="{FF2B5EF4-FFF2-40B4-BE49-F238E27FC236}">
-                <a16:creationId xmlns:a16="http://schemas.microsoft.com/office/drawing/2014/main" id="{4302C280-D2B7-46AA-9A87-E36DB7A0CB3D}"/>
-              </a:ext>
-            </a:extLst>
-          </p:cNvPr>
+            <a:endParaRPr lang="en-US" dirty="0"/>
+          </a:p>
+        </p:txBody>
+      </p:sp>
+      <p:sp>
+        <p:nvSpPr>
+          <p:cNvPr id="3" name="Content Placeholder 2"/>
           <p:cNvSpPr>
             <a:spLocks noGrp="1"/>
           </p:cNvSpPr>
@@ -5699,6 +6131,7 @@
               <a:rPr lang="en-US" dirty="0"/>
               <a:t>Level 0</a:t>
             </a:r>
+            <a:endParaRPr lang="en-US" dirty="0"/>
           </a:p>
           <a:p>
             <a:pPr marL="0" indent="0">
@@ -5716,18 +6149,12 @@
       </p:sp>
       <p:pic>
         <p:nvPicPr>
-          <p:cNvPr id="6" name="Picture 5">
-            <a:extLst>
-              <a:ext uri="{FF2B5EF4-FFF2-40B4-BE49-F238E27FC236}">
-                <a16:creationId xmlns:a16="http://schemas.microsoft.com/office/drawing/2014/main" id="{261558F9-DFFD-4357-86B9-11AB58BCEB7A}"/>
-              </a:ext>
-            </a:extLst>
-          </p:cNvPr>
+          <p:cNvPr id="6" name="Picture 5"/>
           <p:cNvPicPr/>
           <p:nvPr/>
         </p:nvPicPr>
         <p:blipFill>
-          <a:blip r:embed="rId2">
+          <a:blip r:embed="rId1">
             <a:extLst>
               <a:ext uri="{28A0092B-C50C-407E-A947-70E740481C1C}">
                 <a14:useLocalDpi xmlns:a14="http://schemas.microsoft.com/office/drawing/2010/main" val="0"/>
@@ -5754,11 +6181,6 @@
         </p:spPr>
       </p:pic>
     </p:spTree>
-    <p:extLst>
-      <p:ext uri="{BB962C8B-B14F-4D97-AF65-F5344CB8AC3E}">
-        <p14:creationId xmlns:p14="http://schemas.microsoft.com/office/powerpoint/2010/main" val="359068958"/>
-      </p:ext>
-    </p:extLst>
   </p:cSld>
   <p:clrMapOvr>
     <a:masterClrMapping/>
@@ -5809,7 +6231,7 @@
     </a:clrScheme>
     <a:fontScheme name="Retrospect">
       <a:majorFont>
-        <a:latin typeface="Calibri Light" panose="020F0302020204030204"/>
+        <a:latin typeface="Calibri Light"/>
         <a:ea typeface=""/>
         <a:cs typeface=""/>
         <a:font script="Jpan" typeface="ＭＳ Ｐゴシック"/>
@@ -5844,7 +6266,7 @@
         <a:font script="Geor" typeface="Sylfaen"/>
       </a:majorFont>
       <a:minorFont>
-        <a:latin typeface="Calibri" panose="020F0502020204030204"/>
+        <a:latin typeface="Calibri"/>
         <a:ea typeface=""/>
         <a:cs typeface=""/>
         <a:font script="Jpan" typeface="ＭＳ Ｐゴシック"/>
@@ -6039,11 +6461,9 @@
       </a:bgFillStyleLst>
     </a:fmtScheme>
   </a:themeElements>
-  <a:objectDefaults/>
-  <a:extraClrSchemeLst/>
   <a:extLst>
     <a:ext uri="{05A4C25C-085E-4340-85A3-A5531E510DB2}">
-      <thm15:themeFamily xmlns:thm15="http://schemas.microsoft.com/office/thememl/2012/main" name="Retrospect" id="{5F128B03-DCCA-4EEB-AB3B-CF2899314A46}" vid="{3F1AAB62-24C6-49D2-8E01-B56FAC9A3DCD}"/>
+      <thm15:themeFamily xmlns:thm15="http://schemas.microsoft.com/office/thememl/2012/main" name="Office Theme" id="{62F939B6-93AF-4DB8-9C6B-D6C7DFDC589F}" vid="{4A3C46E8-61CC-4603-A589-7422A47A8E4A}"/>
     </a:ext>
   </a:extLst>
 </a:theme>
